--- a/presentation/Wooden-Poles-Object-Detection.pptx
+++ b/presentation/Wooden-Poles-Object-Detection.pptx
@@ -208,7 +208,7 @@
           <a:p>
             <a:fld id="{7B19581D-F828-4C4C-B342-97AFD4AE8C81}" type="datetimeFigureOut">
               <a:rPr lang="en-US" smtClean="0"/>
-              <a:t>16-Jul-19</a:t>
+              <a:t>18-Jul-19</a:t>
             </a:fld>
             <a:endParaRPr lang="en-US"/>
           </a:p>
@@ -781,7 +781,15 @@
           <a:p>
             <a:r>
               <a:rPr lang="en-US" dirty="0"/>
-              <a:t>Finally, working together with the client it will be created all the necessary dissemination and exploitation activities like in-house seminars of the project to the data team, data scientists team, data architects of the clients, plus presentations to conferences.</a:t>
+              <a:t>Finally, working together with the client it will be created all the necessary dissemination and exploitation activities like in-house seminars of the project to the data team, </a:t>
+            </a:r>
+            <a:r>
+              <a:rPr lang="en-US"/>
+              <a:t>data scientists' </a:t>
+            </a:r>
+            <a:r>
+              <a:rPr lang="en-US" dirty="0"/>
+              <a:t>team, data architects of the clients, plus presentations to conferences.</a:t>
             </a:r>
           </a:p>
           <a:p>
@@ -1007,7 +1015,7 @@
           <a:p>
             <a:r>
               <a:rPr lang="en-US" dirty="0"/>
-              <a:t>Introduction, where we are going to say few things about T.A. </a:t>
+              <a:t>- Introduction, where we are going to say few things about T.A. </a:t>
             </a:r>
             <a:r>
               <a:rPr lang="en-US" dirty="0" err="1"/>
@@ -1018,25 +1026,25 @@
           <a:p>
             <a:r>
               <a:rPr lang="en-US" dirty="0"/>
-              <a:t>Current status, where we will present all the input data that you have shared with us</a:t>
+              <a:t>- Current status, where we will present all the input data that you have shared with us</a:t>
             </a:r>
           </a:p>
           <a:p>
             <a:r>
               <a:rPr lang="en-US" dirty="0"/>
-              <a:t>Project proposal &amp; main objective, our proposal for this project and what is the main purpose of it.</a:t>
+              <a:t>- Project proposal &amp; main objective, our proposal for this project and what is the main purpose of it.</a:t>
             </a:r>
           </a:p>
           <a:p>
             <a:r>
               <a:rPr lang="en-US" dirty="0"/>
-              <a:t>Working packages, a minimal presentation of the Work packages for the first initial stage of the project</a:t>
+              <a:t>- Working packages, a minimal presentation of the Work packages for the first initial stage of the project</a:t>
             </a:r>
           </a:p>
           <a:p>
             <a:r>
               <a:rPr lang="en-US" dirty="0"/>
-              <a:t>Few things about advantages and disadvantages (risks, </a:t>
+              <a:t>- Few things about advantages and disadvantages (risks, </a:t>
             </a:r>
             <a:r>
               <a:rPr lang="en-US" dirty="0" err="1"/>
@@ -1050,25 +1058,25 @@
           <a:p>
             <a:r>
               <a:rPr lang="en-US" dirty="0"/>
-              <a:t>The methodology that we following in out AI projects</a:t>
+              <a:t>- The methodology that we following in out AI projects</a:t>
             </a:r>
           </a:p>
           <a:p>
             <a:r>
               <a:rPr lang="en-US" dirty="0"/>
-              <a:t>Excepted results, how the model’s results are visualized and what we expect to see</a:t>
+              <a:t>- Excepted results, how the model’s results are visualized and what we expect to see</a:t>
             </a:r>
           </a:p>
           <a:p>
             <a:r>
               <a:rPr lang="en-US" dirty="0"/>
-              <a:t>Few things about the validation of the data</a:t>
+              <a:t>- Few things about the validation of the data</a:t>
             </a:r>
           </a:p>
           <a:p>
             <a:r>
               <a:rPr lang="en-US" dirty="0"/>
-              <a:t>Deliverables of the project.</a:t>
+              <a:t>- Deliverables of the project.</a:t>
             </a:r>
           </a:p>
           <a:p>
@@ -1924,6 +1932,15 @@
           <a:p>
             <a:r>
               <a:rPr lang="en-US" dirty="0"/>
+              <a:t>[click]</a:t>
+            </a:r>
+          </a:p>
+          <a:p>
+            <a:endParaRPr lang="en-US" dirty="0"/>
+          </a:p>
+          <a:p>
+            <a:r>
+              <a:rPr lang="en-US" dirty="0"/>
               <a:t>Advantages:</a:t>
             </a:r>
           </a:p>
@@ -1962,6 +1979,22 @@
               <a:rPr lang="en-US" dirty="0"/>
               <a:t>Finally, it can unlock new services like monitor your telecommunication network in special occasions like strong winds, lightings, tsunamis etc.</a:t>
             </a:r>
+          </a:p>
+          <a:p>
+            <a:pPr marL="228600" indent="-228600">
+              <a:buAutoNum type="arabicPeriod"/>
+            </a:pPr>
+            <a:endParaRPr lang="en-US" dirty="0"/>
+          </a:p>
+          <a:p>
+            <a:pPr marL="0" indent="0">
+              <a:buNone/>
+            </a:pPr>
+            <a:r>
+              <a:rPr lang="en-US"/>
+              <a:t>[click]</a:t>
+            </a:r>
+            <a:endParaRPr lang="en-US" dirty="0"/>
           </a:p>
           <a:p>
             <a:pPr marL="228600" indent="-228600">
@@ -2299,7 +2332,7 @@
             </a:pPr>
             <a:r>
               <a:rPr lang="en-US" dirty="0"/>
-              <a:t>The green ones true positives where there is detected a wooden pole correct.</a:t>
+              <a:t>The green one's true positives where there is detected a wooden pole correct.</a:t>
             </a:r>
           </a:p>
           <a:p>
@@ -2308,7 +2341,7 @@
             </a:pPr>
             <a:r>
               <a:rPr lang="en-US" dirty="0"/>
-              <a:t>The red ones, where there is wooden pole but it was not detected.</a:t>
+              <a:t>The red ones, where there is wooden pole, but it was not detected.</a:t>
             </a:r>
           </a:p>
           <a:p>
@@ -2317,7 +2350,7 @@
             </a:pPr>
             <a:r>
               <a:rPr lang="en-US" dirty="0"/>
-              <a:t>The false negatives where there is no wooden pole, but there is one.</a:t>
+              <a:t>The false negatives where we found a wooden pole and there is no wooden pole,.</a:t>
             </a:r>
           </a:p>
           <a:p>
@@ -2535,7 +2568,7 @@
           <a:p>
             <a:fld id="{7059F196-7DB3-4BCF-A225-C26E1B295405}" type="datetimeFigureOut">
               <a:rPr lang="en-US" smtClean="0"/>
-              <a:t>16-Jul-19</a:t>
+              <a:t>18-Jul-19</a:t>
             </a:fld>
             <a:endParaRPr lang="en-US"/>
           </a:p>
@@ -2733,7 +2766,7 @@
           <a:p>
             <a:fld id="{7059F196-7DB3-4BCF-A225-C26E1B295405}" type="datetimeFigureOut">
               <a:rPr lang="en-US" smtClean="0"/>
-              <a:t>16-Jul-19</a:t>
+              <a:t>18-Jul-19</a:t>
             </a:fld>
             <a:endParaRPr lang="en-US"/>
           </a:p>
@@ -2941,7 +2974,7 @@
           <a:p>
             <a:fld id="{7059F196-7DB3-4BCF-A225-C26E1B295405}" type="datetimeFigureOut">
               <a:rPr lang="en-US" smtClean="0"/>
-              <a:t>16-Jul-19</a:t>
+              <a:t>18-Jul-19</a:t>
             </a:fld>
             <a:endParaRPr lang="en-US"/>
           </a:p>
@@ -3139,7 +3172,7 @@
           <a:p>
             <a:fld id="{7059F196-7DB3-4BCF-A225-C26E1B295405}" type="datetimeFigureOut">
               <a:rPr lang="en-US" smtClean="0"/>
-              <a:t>16-Jul-19</a:t>
+              <a:t>18-Jul-19</a:t>
             </a:fld>
             <a:endParaRPr lang="en-US"/>
           </a:p>
@@ -3414,7 +3447,7 @@
           <a:p>
             <a:fld id="{7059F196-7DB3-4BCF-A225-C26E1B295405}" type="datetimeFigureOut">
               <a:rPr lang="en-US" smtClean="0"/>
-              <a:t>16-Jul-19</a:t>
+              <a:t>18-Jul-19</a:t>
             </a:fld>
             <a:endParaRPr lang="en-US"/>
           </a:p>
@@ -3679,7 +3712,7 @@
           <a:p>
             <a:fld id="{7059F196-7DB3-4BCF-A225-C26E1B295405}" type="datetimeFigureOut">
               <a:rPr lang="en-US" smtClean="0"/>
-              <a:t>16-Jul-19</a:t>
+              <a:t>18-Jul-19</a:t>
             </a:fld>
             <a:endParaRPr lang="en-US"/>
           </a:p>
@@ -4091,7 +4124,7 @@
           <a:p>
             <a:fld id="{7059F196-7DB3-4BCF-A225-C26E1B295405}" type="datetimeFigureOut">
               <a:rPr lang="en-US" smtClean="0"/>
-              <a:t>16-Jul-19</a:t>
+              <a:t>18-Jul-19</a:t>
             </a:fld>
             <a:endParaRPr lang="en-US"/>
           </a:p>
@@ -4232,7 +4265,7 @@
           <a:p>
             <a:fld id="{7059F196-7DB3-4BCF-A225-C26E1B295405}" type="datetimeFigureOut">
               <a:rPr lang="en-US" smtClean="0"/>
-              <a:t>16-Jul-19</a:t>
+              <a:t>18-Jul-19</a:t>
             </a:fld>
             <a:endParaRPr lang="en-US"/>
           </a:p>
@@ -4345,7 +4378,7 @@
           <a:p>
             <a:fld id="{7059F196-7DB3-4BCF-A225-C26E1B295405}" type="datetimeFigureOut">
               <a:rPr lang="en-US" smtClean="0"/>
-              <a:t>16-Jul-19</a:t>
+              <a:t>18-Jul-19</a:t>
             </a:fld>
             <a:endParaRPr lang="en-US"/>
           </a:p>
@@ -4656,7 +4689,7 @@
           <a:p>
             <a:fld id="{7059F196-7DB3-4BCF-A225-C26E1B295405}" type="datetimeFigureOut">
               <a:rPr lang="en-US" smtClean="0"/>
-              <a:t>16-Jul-19</a:t>
+              <a:t>18-Jul-19</a:t>
             </a:fld>
             <a:endParaRPr lang="en-US"/>
           </a:p>
@@ -4947,7 +4980,7 @@
           <a:p>
             <a:fld id="{7059F196-7DB3-4BCF-A225-C26E1B295405}" type="datetimeFigureOut">
               <a:rPr lang="en-US" smtClean="0"/>
-              <a:t>16-Jul-19</a:t>
+              <a:t>18-Jul-19</a:t>
             </a:fld>
             <a:endParaRPr lang="en-US"/>
           </a:p>
@@ -5188,7 +5221,7 @@
           <a:p>
             <a:fld id="{7059F196-7DB3-4BCF-A225-C26E1B295405}" type="datetimeFigureOut">
               <a:rPr lang="en-US" smtClean="0"/>
-              <a:t>16-Jul-19</a:t>
+              <a:t>18-Jul-19</a:t>
             </a:fld>
             <a:endParaRPr lang="en-US"/>
           </a:p>
@@ -10043,6 +10076,130 @@
   <p:clrMapOvr>
     <a:masterClrMapping/>
   </p:clrMapOvr>
+  <p:timing>
+    <p:tnLst>
+      <p:par>
+        <p:cTn id="1" dur="indefinite" restart="never" nodeType="tmRoot">
+          <p:childTnLst>
+            <p:seq concurrent="1" nextAc="seek">
+              <p:cTn id="2" dur="indefinite" nodeType="mainSeq">
+                <p:childTnLst>
+                  <p:par>
+                    <p:cTn id="3" fill="hold">
+                      <p:stCondLst>
+                        <p:cond delay="indefinite"/>
+                      </p:stCondLst>
+                      <p:childTnLst>
+                        <p:par>
+                          <p:cTn id="4" fill="hold">
+                            <p:stCondLst>
+                              <p:cond delay="0"/>
+                            </p:stCondLst>
+                            <p:childTnLst>
+                              <p:par>
+                                <p:cTn id="5" presetID="1" presetClass="entr" presetSubtype="0" fill="hold" grpId="0" nodeType="clickEffect">
+                                  <p:stCondLst>
+                                    <p:cond delay="0"/>
+                                  </p:stCondLst>
+                                  <p:childTnLst>
+                                    <p:set>
+                                      <p:cBhvr>
+                                        <p:cTn id="6" dur="1" fill="hold">
+                                          <p:stCondLst>
+                                            <p:cond delay="0"/>
+                                          </p:stCondLst>
+                                        </p:cTn>
+                                        <p:tgtEl>
+                                          <p:spTgt spid="2"/>
+                                        </p:tgtEl>
+                                        <p:attrNameLst>
+                                          <p:attrName>style.visibility</p:attrName>
+                                        </p:attrNameLst>
+                                      </p:cBhvr>
+                                      <p:to>
+                                        <p:strVal val="visible"/>
+                                      </p:to>
+                                    </p:set>
+                                  </p:childTnLst>
+                                </p:cTn>
+                              </p:par>
+                            </p:childTnLst>
+                          </p:cTn>
+                        </p:par>
+                      </p:childTnLst>
+                    </p:cTn>
+                  </p:par>
+                  <p:par>
+                    <p:cTn id="7" fill="hold">
+                      <p:stCondLst>
+                        <p:cond delay="indefinite"/>
+                      </p:stCondLst>
+                      <p:childTnLst>
+                        <p:par>
+                          <p:cTn id="8" fill="hold">
+                            <p:stCondLst>
+                              <p:cond delay="0"/>
+                            </p:stCondLst>
+                            <p:childTnLst>
+                              <p:par>
+                                <p:cTn id="9" presetID="1" presetClass="entr" presetSubtype="0" fill="hold" grpId="0" nodeType="clickEffect">
+                                  <p:stCondLst>
+                                    <p:cond delay="0"/>
+                                  </p:stCondLst>
+                                  <p:childTnLst>
+                                    <p:set>
+                                      <p:cBhvr>
+                                        <p:cTn id="10" dur="1" fill="hold">
+                                          <p:stCondLst>
+                                            <p:cond delay="0"/>
+                                          </p:stCondLst>
+                                        </p:cTn>
+                                        <p:tgtEl>
+                                          <p:spTgt spid="4"/>
+                                        </p:tgtEl>
+                                        <p:attrNameLst>
+                                          <p:attrName>style.visibility</p:attrName>
+                                        </p:attrNameLst>
+                                      </p:cBhvr>
+                                      <p:to>
+                                        <p:strVal val="visible"/>
+                                      </p:to>
+                                    </p:set>
+                                  </p:childTnLst>
+                                </p:cTn>
+                              </p:par>
+                            </p:childTnLst>
+                          </p:cTn>
+                        </p:par>
+                      </p:childTnLst>
+                    </p:cTn>
+                  </p:par>
+                </p:childTnLst>
+              </p:cTn>
+              <p:prevCondLst>
+                <p:cond evt="onPrev" delay="0">
+                  <p:tgtEl>
+                    <p:sldTgt/>
+                  </p:tgtEl>
+                </p:cond>
+              </p:prevCondLst>
+              <p:nextCondLst>
+                <p:cond evt="onNext" delay="0">
+                  <p:tgtEl>
+                    <p:sldTgt/>
+                  </p:tgtEl>
+                </p:cond>
+              </p:nextCondLst>
+            </p:seq>
+          </p:childTnLst>
+        </p:cTn>
+      </p:par>
+    </p:tnLst>
+    <p:bldLst>
+      <p:bldP spid="2" grpId="0"/>
+      <p:bldP spid="4" grpId="0"/>
+    </p:bldLst>
+  </p:timing>
 </p:sld>
 </file>
 
@@ -11827,10 +11984,10 @@
       </p:sp>
       <p:pic>
         <p:nvPicPr>
-          <p:cNvPr id="15" name="Graphic 14" descr="Close">
-            <a:extLst>
-              <a:ext uri="{FF2B5EF4-FFF2-40B4-BE49-F238E27FC236}">
-                <a16:creationId xmlns:a16="http://schemas.microsoft.com/office/drawing/2014/main" id="{065BD4C5-3385-46D8-9626-91FA9713A596}"/>
+          <p:cNvPr id="16" name="Graphic 15" descr="Close">
+            <a:extLst>
+              <a:ext uri="{FF2B5EF4-FFF2-40B4-BE49-F238E27FC236}">
+                <a16:creationId xmlns:a16="http://schemas.microsoft.com/office/drawing/2014/main" id="{34414CFD-3D41-4842-BCDD-43C256595206}"/>
               </a:ext>
             </a:extLst>
           </p:cNvPr>
@@ -11856,7 +12013,7 @@
         </p:blipFill>
         <p:spPr>
           <a:xfrm>
-            <a:off x="4185970" y="3881904"/>
+            <a:off x="7243424" y="1855865"/>
             <a:ext cx="192139" cy="192139"/>
           </a:xfrm>
           <a:prstGeom prst="rect">
@@ -11866,10 +12023,205 @@
       </p:pic>
       <p:pic>
         <p:nvPicPr>
-          <p:cNvPr id="16" name="Graphic 15" descr="Close">
-            <a:extLst>
-              <a:ext uri="{FF2B5EF4-FFF2-40B4-BE49-F238E27FC236}">
-                <a16:creationId xmlns:a16="http://schemas.microsoft.com/office/drawing/2014/main" id="{34414CFD-3D41-4842-BCDD-43C256595206}"/>
+          <p:cNvPr id="18" name="Graphic 17" descr="Checkmark">
+            <a:extLst>
+              <a:ext uri="{FF2B5EF4-FFF2-40B4-BE49-F238E27FC236}">
+                <a16:creationId xmlns:a16="http://schemas.microsoft.com/office/drawing/2014/main" id="{31B507BD-B045-48DD-8557-EAB3E2CAAA06}"/>
+              </a:ext>
+            </a:extLst>
+          </p:cNvPr>
+          <p:cNvPicPr>
+            <a:picLocks noChangeAspect="1"/>
+          </p:cNvPicPr>
+          <p:nvPr/>
+        </p:nvPicPr>
+        <p:blipFill>
+          <a:blip r:embed="rId6">
+            <a:extLst>
+              <a:ext uri="{28A0092B-C50C-407E-A947-70E740481C1C}">
+                <a14:useLocalDpi xmlns:a14="http://schemas.microsoft.com/office/drawing/2010/main" val="0"/>
+              </a:ext>
+              <a:ext uri="{96DAC541-7B7A-43D3-8B79-37D633B846F1}">
+                <asvg:svgBlip xmlns:asvg="http://schemas.microsoft.com/office/drawing/2016/SVG/main" r:embed="rId7"/>
+              </a:ext>
+            </a:extLst>
+          </a:blip>
+          <a:stretch>
+            <a:fillRect/>
+          </a:stretch>
+        </p:blipFill>
+        <p:spPr>
+          <a:xfrm>
+            <a:off x="4063672" y="2562580"/>
+            <a:ext cx="217967" cy="217967"/>
+          </a:xfrm>
+          <a:prstGeom prst="rect">
+            <a:avLst/>
+          </a:prstGeom>
+        </p:spPr>
+      </p:pic>
+      <p:pic>
+        <p:nvPicPr>
+          <p:cNvPr id="19" name="Graphic 18" descr="Checkmark">
+            <a:extLst>
+              <a:ext uri="{FF2B5EF4-FFF2-40B4-BE49-F238E27FC236}">
+                <a16:creationId xmlns:a16="http://schemas.microsoft.com/office/drawing/2014/main" id="{69FDA400-26D6-42CC-A9B1-72C1E0E11C5E}"/>
+              </a:ext>
+            </a:extLst>
+          </p:cNvPr>
+          <p:cNvPicPr>
+            <a:picLocks noChangeAspect="1"/>
+          </p:cNvPicPr>
+          <p:nvPr/>
+        </p:nvPicPr>
+        <p:blipFill>
+          <a:blip r:embed="rId6">
+            <a:extLst>
+              <a:ext uri="{28A0092B-C50C-407E-A947-70E740481C1C}">
+                <a14:useLocalDpi xmlns:a14="http://schemas.microsoft.com/office/drawing/2010/main" val="0"/>
+              </a:ext>
+              <a:ext uri="{96DAC541-7B7A-43D3-8B79-37D633B846F1}">
+                <asvg:svgBlip xmlns:asvg="http://schemas.microsoft.com/office/drawing/2016/SVG/main" r:embed="rId7"/>
+              </a:ext>
+            </a:extLst>
+          </a:blip>
+          <a:stretch>
+            <a:fillRect/>
+          </a:stretch>
+        </p:blipFill>
+        <p:spPr>
+          <a:xfrm>
+            <a:off x="1026488" y="1776224"/>
+            <a:ext cx="217967" cy="217967"/>
+          </a:xfrm>
+          <a:prstGeom prst="rect">
+            <a:avLst/>
+          </a:prstGeom>
+        </p:spPr>
+      </p:pic>
+      <p:pic>
+        <p:nvPicPr>
+          <p:cNvPr id="20" name="Graphic 19" descr="Checkmark">
+            <a:extLst>
+              <a:ext uri="{FF2B5EF4-FFF2-40B4-BE49-F238E27FC236}">
+                <a16:creationId xmlns:a16="http://schemas.microsoft.com/office/drawing/2014/main" id="{5FA2A871-4430-4DA1-AD1E-9B2431643C1E}"/>
+              </a:ext>
+            </a:extLst>
+          </p:cNvPr>
+          <p:cNvPicPr>
+            <a:picLocks noChangeAspect="1"/>
+          </p:cNvPicPr>
+          <p:nvPr/>
+        </p:nvPicPr>
+        <p:blipFill>
+          <a:blip r:embed="rId6">
+            <a:extLst>
+              <a:ext uri="{28A0092B-C50C-407E-A947-70E740481C1C}">
+                <a14:useLocalDpi xmlns:a14="http://schemas.microsoft.com/office/drawing/2010/main" val="0"/>
+              </a:ext>
+              <a:ext uri="{96DAC541-7B7A-43D3-8B79-37D633B846F1}">
+                <asvg:svgBlip xmlns:asvg="http://schemas.microsoft.com/office/drawing/2016/SVG/main" r:embed="rId7"/>
+              </a:ext>
+            </a:extLst>
+          </a:blip>
+          <a:stretch>
+            <a:fillRect/>
+          </a:stretch>
+        </p:blipFill>
+        <p:spPr>
+          <a:xfrm>
+            <a:off x="7250775" y="2671563"/>
+            <a:ext cx="217967" cy="217967"/>
+          </a:xfrm>
+          <a:prstGeom prst="rect">
+            <a:avLst/>
+          </a:prstGeom>
+        </p:spPr>
+      </p:pic>
+      <p:pic>
+        <p:nvPicPr>
+          <p:cNvPr id="21" name="Graphic 20" descr="Checkmark">
+            <a:extLst>
+              <a:ext uri="{FF2B5EF4-FFF2-40B4-BE49-F238E27FC236}">
+                <a16:creationId xmlns:a16="http://schemas.microsoft.com/office/drawing/2014/main" id="{22E87E08-1B3D-486B-8B5A-AD5CA51BFFFC}"/>
+              </a:ext>
+            </a:extLst>
+          </p:cNvPr>
+          <p:cNvPicPr>
+            <a:picLocks noChangeAspect="1"/>
+          </p:cNvPicPr>
+          <p:nvPr/>
+        </p:nvPicPr>
+        <p:blipFill>
+          <a:blip r:embed="rId6">
+            <a:extLst>
+              <a:ext uri="{28A0092B-C50C-407E-A947-70E740481C1C}">
+                <a14:useLocalDpi xmlns:a14="http://schemas.microsoft.com/office/drawing/2010/main" val="0"/>
+              </a:ext>
+              <a:ext uri="{96DAC541-7B7A-43D3-8B79-37D633B846F1}">
+                <asvg:svgBlip xmlns:asvg="http://schemas.microsoft.com/office/drawing/2016/SVG/main" r:embed="rId7"/>
+              </a:ext>
+            </a:extLst>
+          </a:blip>
+          <a:stretch>
+            <a:fillRect/>
+          </a:stretch>
+        </p:blipFill>
+        <p:spPr>
+          <a:xfrm>
+            <a:off x="7794001" y="3476556"/>
+            <a:ext cx="217967" cy="217967"/>
+          </a:xfrm>
+          <a:prstGeom prst="rect">
+            <a:avLst/>
+          </a:prstGeom>
+        </p:spPr>
+      </p:pic>
+      <p:pic>
+        <p:nvPicPr>
+          <p:cNvPr id="24" name="Graphic 23" descr="Checkmark">
+            <a:extLst>
+              <a:ext uri="{FF2B5EF4-FFF2-40B4-BE49-F238E27FC236}">
+                <a16:creationId xmlns:a16="http://schemas.microsoft.com/office/drawing/2014/main" id="{4575C133-F7C7-4EE6-8CA1-65D779799265}"/>
+              </a:ext>
+            </a:extLst>
+          </p:cNvPr>
+          <p:cNvPicPr>
+            <a:picLocks noChangeAspect="1"/>
+          </p:cNvPicPr>
+          <p:nvPr/>
+        </p:nvPicPr>
+        <p:blipFill>
+          <a:blip r:embed="rId6">
+            <a:extLst>
+              <a:ext uri="{28A0092B-C50C-407E-A947-70E740481C1C}">
+                <a14:useLocalDpi xmlns:a14="http://schemas.microsoft.com/office/drawing/2010/main" val="0"/>
+              </a:ext>
+              <a:ext uri="{96DAC541-7B7A-43D3-8B79-37D633B846F1}">
+                <asvg:svgBlip xmlns:asvg="http://schemas.microsoft.com/office/drawing/2016/SVG/main" r:embed="rId7"/>
+              </a:ext>
+            </a:extLst>
+          </a:blip>
+          <a:stretch>
+            <a:fillRect/>
+          </a:stretch>
+        </p:blipFill>
+        <p:spPr>
+          <a:xfrm>
+            <a:off x="9115017" y="1220993"/>
+            <a:ext cx="217967" cy="217967"/>
+          </a:xfrm>
+          <a:prstGeom prst="rect">
+            <a:avLst/>
+          </a:prstGeom>
+        </p:spPr>
+      </p:pic>
+      <p:pic>
+        <p:nvPicPr>
+          <p:cNvPr id="25" name="Graphic 24" descr="Close">
+            <a:extLst>
+              <a:ext uri="{FF2B5EF4-FFF2-40B4-BE49-F238E27FC236}">
+                <a16:creationId xmlns:a16="http://schemas.microsoft.com/office/drawing/2014/main" id="{9C46C0B9-343D-47F9-A6AF-3E6C86207600}"/>
               </a:ext>
             </a:extLst>
           </p:cNvPr>
@@ -11895,240 +12247,6 @@
         </p:blipFill>
         <p:spPr>
           <a:xfrm>
-            <a:off x="7243424" y="1855865"/>
-            <a:ext cx="192139" cy="192139"/>
-          </a:xfrm>
-          <a:prstGeom prst="rect">
-            <a:avLst/>
-          </a:prstGeom>
-        </p:spPr>
-      </p:pic>
-      <p:pic>
-        <p:nvPicPr>
-          <p:cNvPr id="18" name="Graphic 17" descr="Checkmark">
-            <a:extLst>
-              <a:ext uri="{FF2B5EF4-FFF2-40B4-BE49-F238E27FC236}">
-                <a16:creationId xmlns:a16="http://schemas.microsoft.com/office/drawing/2014/main" id="{31B507BD-B045-48DD-8557-EAB3E2CAAA06}"/>
-              </a:ext>
-            </a:extLst>
-          </p:cNvPr>
-          <p:cNvPicPr>
-            <a:picLocks noChangeAspect="1"/>
-          </p:cNvPicPr>
-          <p:nvPr/>
-        </p:nvPicPr>
-        <p:blipFill>
-          <a:blip r:embed="rId6">
-            <a:extLst>
-              <a:ext uri="{28A0092B-C50C-407E-A947-70E740481C1C}">
-                <a14:useLocalDpi xmlns:a14="http://schemas.microsoft.com/office/drawing/2010/main" val="0"/>
-              </a:ext>
-              <a:ext uri="{96DAC541-7B7A-43D3-8B79-37D633B846F1}">
-                <asvg:svgBlip xmlns:asvg="http://schemas.microsoft.com/office/drawing/2016/SVG/main" r:embed="rId7"/>
-              </a:ext>
-            </a:extLst>
-          </a:blip>
-          <a:stretch>
-            <a:fillRect/>
-          </a:stretch>
-        </p:blipFill>
-        <p:spPr>
-          <a:xfrm>
-            <a:off x="4063672" y="2562580"/>
-            <a:ext cx="217967" cy="217967"/>
-          </a:xfrm>
-          <a:prstGeom prst="rect">
-            <a:avLst/>
-          </a:prstGeom>
-        </p:spPr>
-      </p:pic>
-      <p:pic>
-        <p:nvPicPr>
-          <p:cNvPr id="19" name="Graphic 18" descr="Checkmark">
-            <a:extLst>
-              <a:ext uri="{FF2B5EF4-FFF2-40B4-BE49-F238E27FC236}">
-                <a16:creationId xmlns:a16="http://schemas.microsoft.com/office/drawing/2014/main" id="{69FDA400-26D6-42CC-A9B1-72C1E0E11C5E}"/>
-              </a:ext>
-            </a:extLst>
-          </p:cNvPr>
-          <p:cNvPicPr>
-            <a:picLocks noChangeAspect="1"/>
-          </p:cNvPicPr>
-          <p:nvPr/>
-        </p:nvPicPr>
-        <p:blipFill>
-          <a:blip r:embed="rId6">
-            <a:extLst>
-              <a:ext uri="{28A0092B-C50C-407E-A947-70E740481C1C}">
-                <a14:useLocalDpi xmlns:a14="http://schemas.microsoft.com/office/drawing/2010/main" val="0"/>
-              </a:ext>
-              <a:ext uri="{96DAC541-7B7A-43D3-8B79-37D633B846F1}">
-                <asvg:svgBlip xmlns:asvg="http://schemas.microsoft.com/office/drawing/2016/SVG/main" r:embed="rId7"/>
-              </a:ext>
-            </a:extLst>
-          </a:blip>
-          <a:stretch>
-            <a:fillRect/>
-          </a:stretch>
-        </p:blipFill>
-        <p:spPr>
-          <a:xfrm>
-            <a:off x="1026488" y="1776224"/>
-            <a:ext cx="217967" cy="217967"/>
-          </a:xfrm>
-          <a:prstGeom prst="rect">
-            <a:avLst/>
-          </a:prstGeom>
-        </p:spPr>
-      </p:pic>
-      <p:pic>
-        <p:nvPicPr>
-          <p:cNvPr id="20" name="Graphic 19" descr="Checkmark">
-            <a:extLst>
-              <a:ext uri="{FF2B5EF4-FFF2-40B4-BE49-F238E27FC236}">
-                <a16:creationId xmlns:a16="http://schemas.microsoft.com/office/drawing/2014/main" id="{5FA2A871-4430-4DA1-AD1E-9B2431643C1E}"/>
-              </a:ext>
-            </a:extLst>
-          </p:cNvPr>
-          <p:cNvPicPr>
-            <a:picLocks noChangeAspect="1"/>
-          </p:cNvPicPr>
-          <p:nvPr/>
-        </p:nvPicPr>
-        <p:blipFill>
-          <a:blip r:embed="rId6">
-            <a:extLst>
-              <a:ext uri="{28A0092B-C50C-407E-A947-70E740481C1C}">
-                <a14:useLocalDpi xmlns:a14="http://schemas.microsoft.com/office/drawing/2010/main" val="0"/>
-              </a:ext>
-              <a:ext uri="{96DAC541-7B7A-43D3-8B79-37D633B846F1}">
-                <asvg:svgBlip xmlns:asvg="http://schemas.microsoft.com/office/drawing/2016/SVG/main" r:embed="rId7"/>
-              </a:ext>
-            </a:extLst>
-          </a:blip>
-          <a:stretch>
-            <a:fillRect/>
-          </a:stretch>
-        </p:blipFill>
-        <p:spPr>
-          <a:xfrm>
-            <a:off x="7250775" y="2671563"/>
-            <a:ext cx="217967" cy="217967"/>
-          </a:xfrm>
-          <a:prstGeom prst="rect">
-            <a:avLst/>
-          </a:prstGeom>
-        </p:spPr>
-      </p:pic>
-      <p:pic>
-        <p:nvPicPr>
-          <p:cNvPr id="21" name="Graphic 20" descr="Checkmark">
-            <a:extLst>
-              <a:ext uri="{FF2B5EF4-FFF2-40B4-BE49-F238E27FC236}">
-                <a16:creationId xmlns:a16="http://schemas.microsoft.com/office/drawing/2014/main" id="{22E87E08-1B3D-486B-8B5A-AD5CA51BFFFC}"/>
-              </a:ext>
-            </a:extLst>
-          </p:cNvPr>
-          <p:cNvPicPr>
-            <a:picLocks noChangeAspect="1"/>
-          </p:cNvPicPr>
-          <p:nvPr/>
-        </p:nvPicPr>
-        <p:blipFill>
-          <a:blip r:embed="rId6">
-            <a:extLst>
-              <a:ext uri="{28A0092B-C50C-407E-A947-70E740481C1C}">
-                <a14:useLocalDpi xmlns:a14="http://schemas.microsoft.com/office/drawing/2010/main" val="0"/>
-              </a:ext>
-              <a:ext uri="{96DAC541-7B7A-43D3-8B79-37D633B846F1}">
-                <asvg:svgBlip xmlns:asvg="http://schemas.microsoft.com/office/drawing/2016/SVG/main" r:embed="rId7"/>
-              </a:ext>
-            </a:extLst>
-          </a:blip>
-          <a:stretch>
-            <a:fillRect/>
-          </a:stretch>
-        </p:blipFill>
-        <p:spPr>
-          <a:xfrm>
-            <a:off x="7794001" y="3476556"/>
-            <a:ext cx="217967" cy="217967"/>
-          </a:xfrm>
-          <a:prstGeom prst="rect">
-            <a:avLst/>
-          </a:prstGeom>
-        </p:spPr>
-      </p:pic>
-      <p:pic>
-        <p:nvPicPr>
-          <p:cNvPr id="24" name="Graphic 23" descr="Checkmark">
-            <a:extLst>
-              <a:ext uri="{FF2B5EF4-FFF2-40B4-BE49-F238E27FC236}">
-                <a16:creationId xmlns:a16="http://schemas.microsoft.com/office/drawing/2014/main" id="{4575C133-F7C7-4EE6-8CA1-65D779799265}"/>
-              </a:ext>
-            </a:extLst>
-          </p:cNvPr>
-          <p:cNvPicPr>
-            <a:picLocks noChangeAspect="1"/>
-          </p:cNvPicPr>
-          <p:nvPr/>
-        </p:nvPicPr>
-        <p:blipFill>
-          <a:blip r:embed="rId6">
-            <a:extLst>
-              <a:ext uri="{28A0092B-C50C-407E-A947-70E740481C1C}">
-                <a14:useLocalDpi xmlns:a14="http://schemas.microsoft.com/office/drawing/2010/main" val="0"/>
-              </a:ext>
-              <a:ext uri="{96DAC541-7B7A-43D3-8B79-37D633B846F1}">
-                <asvg:svgBlip xmlns:asvg="http://schemas.microsoft.com/office/drawing/2016/SVG/main" r:embed="rId7"/>
-              </a:ext>
-            </a:extLst>
-          </a:blip>
-          <a:stretch>
-            <a:fillRect/>
-          </a:stretch>
-        </p:blipFill>
-        <p:spPr>
-          <a:xfrm>
-            <a:off x="9115017" y="1220993"/>
-            <a:ext cx="217967" cy="217967"/>
-          </a:xfrm>
-          <a:prstGeom prst="rect">
-            <a:avLst/>
-          </a:prstGeom>
-        </p:spPr>
-      </p:pic>
-      <p:pic>
-        <p:nvPicPr>
-          <p:cNvPr id="25" name="Graphic 24" descr="Close">
-            <a:extLst>
-              <a:ext uri="{FF2B5EF4-FFF2-40B4-BE49-F238E27FC236}">
-                <a16:creationId xmlns:a16="http://schemas.microsoft.com/office/drawing/2014/main" id="{9C46C0B9-343D-47F9-A6AF-3E6C86207600}"/>
-              </a:ext>
-            </a:extLst>
-          </p:cNvPr>
-          <p:cNvPicPr>
-            <a:picLocks noChangeAspect="1"/>
-          </p:cNvPicPr>
-          <p:nvPr/>
-        </p:nvPicPr>
-        <p:blipFill>
-          <a:blip r:embed="rId4">
-            <a:extLst>
-              <a:ext uri="{28A0092B-C50C-407E-A947-70E740481C1C}">
-                <a14:useLocalDpi xmlns:a14="http://schemas.microsoft.com/office/drawing/2010/main" val="0"/>
-              </a:ext>
-              <a:ext uri="{96DAC541-7B7A-43D3-8B79-37D633B846F1}">
-                <asvg:svgBlip xmlns:asvg="http://schemas.microsoft.com/office/drawing/2016/SVG/main" r:embed="rId5"/>
-              </a:ext>
-            </a:extLst>
-          </a:blip>
-          <a:stretch>
-            <a:fillRect/>
-          </a:stretch>
-        </p:blipFill>
-        <p:spPr>
-          <a:xfrm>
             <a:off x="9140845" y="1529613"/>
             <a:ext cx="192139" cy="192139"/>
           </a:xfrm>
@@ -12295,7 +12413,7 @@
         </p:nvSpPr>
         <p:spPr>
           <a:xfrm>
-            <a:off x="5581652" y="2860384"/>
+            <a:off x="5595246" y="3157795"/>
             <a:ext cx="176980" cy="159282"/>
           </a:xfrm>
           <a:prstGeom prst="rect">
@@ -12364,7 +12482,7 @@
         </p:blipFill>
         <p:spPr>
           <a:xfrm>
-            <a:off x="5549639" y="3034878"/>
+            <a:off x="4152162" y="3882950"/>
             <a:ext cx="241005" cy="241005"/>
           </a:xfrm>
           <a:prstGeom prst="rect">
@@ -12424,45 +12542,6 @@
           </a:p>
         </p:txBody>
       </p:sp>
-      <p:pic>
-        <p:nvPicPr>
-          <p:cNvPr id="33" name="Graphic 32" descr="Question mark">
-            <a:extLst>
-              <a:ext uri="{FF2B5EF4-FFF2-40B4-BE49-F238E27FC236}">
-                <a16:creationId xmlns:a16="http://schemas.microsoft.com/office/drawing/2014/main" id="{52F3B2C2-CD0B-47AE-8446-FE77860F2ADC}"/>
-              </a:ext>
-            </a:extLst>
-          </p:cNvPr>
-          <p:cNvPicPr>
-            <a:picLocks noChangeAspect="1"/>
-          </p:cNvPicPr>
-          <p:nvPr/>
-        </p:nvPicPr>
-        <p:blipFill>
-          <a:blip r:embed="rId8">
-            <a:extLst>
-              <a:ext uri="{28A0092B-C50C-407E-A947-70E740481C1C}">
-                <a14:useLocalDpi xmlns:a14="http://schemas.microsoft.com/office/drawing/2010/main" val="0"/>
-              </a:ext>
-              <a:ext uri="{96DAC541-7B7A-43D3-8B79-37D633B846F1}">
-                <asvg:svgBlip xmlns:asvg="http://schemas.microsoft.com/office/drawing/2016/SVG/main" r:embed="rId9"/>
-              </a:ext>
-            </a:extLst>
-          </a:blip>
-          <a:stretch>
-            <a:fillRect/>
-          </a:stretch>
-        </p:blipFill>
-        <p:spPr>
-          <a:xfrm>
-            <a:off x="5711742" y="3064024"/>
-            <a:ext cx="241005" cy="241005"/>
-          </a:xfrm>
-          <a:prstGeom prst="rect">
-            <a:avLst/>
-          </a:prstGeom>
-        </p:spPr>
-      </p:pic>
       <p:pic>
         <p:nvPicPr>
           <p:cNvPr id="34" name="Picture 33">
@@ -12597,6 +12676,84 @@
           <a:xfrm rot="11684943" flipV="1">
             <a:off x="6397736" y="2478433"/>
             <a:ext cx="485770" cy="485770"/>
+          </a:xfrm>
+          <a:prstGeom prst="rect">
+            <a:avLst/>
+          </a:prstGeom>
+        </p:spPr>
+      </p:pic>
+      <p:pic>
+        <p:nvPicPr>
+          <p:cNvPr id="36" name="Graphic 35" descr="Checkmark">
+            <a:extLst>
+              <a:ext uri="{FF2B5EF4-FFF2-40B4-BE49-F238E27FC236}">
+                <a16:creationId xmlns:a16="http://schemas.microsoft.com/office/drawing/2014/main" id="{A8543623-D973-437F-A05E-E1B6D942161B}"/>
+              </a:ext>
+            </a:extLst>
+          </p:cNvPr>
+          <p:cNvPicPr>
+            <a:picLocks noChangeAspect="1"/>
+          </p:cNvPicPr>
+          <p:nvPr/>
+        </p:nvPicPr>
+        <p:blipFill>
+          <a:blip r:embed="rId6">
+            <a:extLst>
+              <a:ext uri="{28A0092B-C50C-407E-A947-70E740481C1C}">
+                <a14:useLocalDpi xmlns:a14="http://schemas.microsoft.com/office/drawing/2010/main" val="0"/>
+              </a:ext>
+              <a:ext uri="{96DAC541-7B7A-43D3-8B79-37D633B846F1}">
+                <asvg:svgBlip xmlns:asvg="http://schemas.microsoft.com/office/drawing/2016/SVG/main" r:embed="rId7"/>
+              </a:ext>
+            </a:extLst>
+          </a:blip>
+          <a:stretch>
+            <a:fillRect/>
+          </a:stretch>
+        </p:blipFill>
+        <p:spPr>
+          <a:xfrm>
+            <a:off x="5832245" y="3020723"/>
+            <a:ext cx="217967" cy="217967"/>
+          </a:xfrm>
+          <a:prstGeom prst="rect">
+            <a:avLst/>
+          </a:prstGeom>
+        </p:spPr>
+      </p:pic>
+      <p:pic>
+        <p:nvPicPr>
+          <p:cNvPr id="37" name="Graphic 36" descr="Close">
+            <a:extLst>
+              <a:ext uri="{FF2B5EF4-FFF2-40B4-BE49-F238E27FC236}">
+                <a16:creationId xmlns:a16="http://schemas.microsoft.com/office/drawing/2014/main" id="{7FB190B3-31AC-4F7B-A8E7-AAC9814B416B}"/>
+              </a:ext>
+            </a:extLst>
+          </p:cNvPr>
+          <p:cNvPicPr>
+            <a:picLocks noChangeAspect="1"/>
+          </p:cNvPicPr>
+          <p:nvPr/>
+        </p:nvPicPr>
+        <p:blipFill>
+          <a:blip r:embed="rId4">
+            <a:extLst>
+              <a:ext uri="{28A0092B-C50C-407E-A947-70E740481C1C}">
+                <a14:useLocalDpi xmlns:a14="http://schemas.microsoft.com/office/drawing/2010/main" val="0"/>
+              </a:ext>
+              <a:ext uri="{96DAC541-7B7A-43D3-8B79-37D633B846F1}">
+                <asvg:svgBlip xmlns:asvg="http://schemas.microsoft.com/office/drawing/2016/SVG/main" r:embed="rId5"/>
+              </a:ext>
+            </a:extLst>
+          </a:blip>
+          <a:stretch>
+            <a:fillRect/>
+          </a:stretch>
+        </p:blipFill>
+        <p:spPr>
+          <a:xfrm>
+            <a:off x="5580087" y="3346787"/>
+            <a:ext cx="192139" cy="192139"/>
           </a:xfrm>
           <a:prstGeom prst="rect">
             <a:avLst/>
